--- a/Presentations/Module 07 - Best Practices.pptx
+++ b/Presentations/Module 07 - Best Practices.pptx
@@ -1185,7 +1185,7 @@
               <a:rPr lang="en-US" smtClean="0">
                 <a:latin typeface="Segoe UI" pitchFamily="34" charset="0"/>
               </a:rPr>
-              <a:t>2018-05-11 1:57 PM</a:t>
+              <a:t>2021-05-27 12:57 PM</a:t>
             </a:fld>
             <a:endParaRPr lang="en-US" dirty="0">
               <a:latin typeface="Segoe UI" pitchFamily="34" charset="0"/>
@@ -1463,7 +1463,7 @@
           <a:p>
             <a:fld id="{38EEC551-8CDA-4EB6-89BB-2A86C9F091C8}" type="datetime8">
               <a:rPr lang="en-US" smtClean="0"/>
-              <a:t>2018-05-11 1:57 PM</a:t>
+              <a:t>2021-05-27 12:57 PM</a:t>
             </a:fld>
             <a:endParaRPr lang="en-US" dirty="0"/>
           </a:p>
@@ -1830,7 +1830,7 @@
           <a:p>
             <a:fld id="{6D0596E5-6523-4DD8-A9ED-0418BD42519C}" type="datetime8">
               <a:rPr lang="en-US" smtClean="0"/>
-              <a:t>2018-05-11 1:57 PM</a:t>
+              <a:t>2021-05-27 12:57 PM</a:t>
             </a:fld>
             <a:endParaRPr lang="en-US" dirty="0"/>
           </a:p>
@@ -9846,7 +9846,7 @@
                   <a:prstClr val="black"/>
                 </a:solidFill>
               </a:rPr>
-              <a:t>2018-05-11 1:57 PM</a:t>
+              <a:t>2021-05-27 12:57 PM</a:t>
             </a:fld>
             <a:endParaRPr lang="en-US" dirty="0">
               <a:solidFill>
@@ -28013,7 +28013,7 @@
       </a:lvl9pPr>
     </p:otherStyle>
   </p:txStyles>
-  <p:extLst mod="1">
+  <p:extLst>
     <p:ext uri="{27BBF7A9-308A-43DC-89C8-2F10F3537804}">
       <p15:sldGuideLst xmlns:p15="http://schemas.microsoft.com/office/powerpoint/2012/main">
         <p15:guide id="1" orient="horz" pos="187">
@@ -28676,7 +28676,7 @@
       </a:lvl9pPr>
     </p:otherStyle>
   </p:txStyles>
-  <p:extLst mod="1">
+  <p:extLst>
     <p:ext uri="{27BBF7A9-308A-43DC-89C8-2F10F3537804}">
       <p15:sldGuideLst xmlns:p15="http://schemas.microsoft.com/office/powerpoint/2012/main">
         <p15:guide id="1" orient="horz" pos="187">
@@ -29342,7 +29342,7 @@
       </a:lvl9pPr>
     </p:otherStyle>
   </p:txStyles>
-  <p:extLst mod="1">
+  <p:extLst>
     <p:ext uri="{27BBF7A9-308A-43DC-89C8-2F10F3537804}">
       <p15:sldGuideLst xmlns:p15="http://schemas.microsoft.com/office/powerpoint/2012/main">
         <p15:guide id="1" orient="horz" pos="187">
@@ -30010,7 +30010,7 @@
       </a:lvl9pPr>
     </p:otherStyle>
   </p:txStyles>
-  <p:extLst mod="1">
+  <p:extLst>
     <p:ext uri="{27BBF7A9-308A-43DC-89C8-2F10F3537804}">
       <p15:sldGuideLst xmlns:p15="http://schemas.microsoft.com/office/powerpoint/2012/main">
         <p15:guide id="1" orient="horz" pos="187">
@@ -30186,12 +30186,9 @@
           <a:bodyPr/>
           <a:lstStyle/>
           <a:p>
-            <a:br>
+            <a:r>
               <a:rPr lang="en-US" sz="4000" dirty="0"/>
-            </a:br>
-            <a:r>
-              <a:rPr lang="en-US" sz="4000" dirty="0"/>
-              <a:t>Module 1: Understanding High Availability and Disaster Recovery</a:t>
+              <a:t>Module 7: Best Practices</a:t>
             </a:r>
             <a:br>
               <a:rPr lang="en-US" sz="4000" dirty="0"/>
@@ -32220,9 +32217,7 @@
           <p:nvPr/>
         </p:nvPicPr>
         <p:blipFill>
-          <a:blip r:embed="rId3" cstate="print">
-            <a:extLst/>
-          </a:blip>
+          <a:blip r:embed="rId3" cstate="print"/>
           <a:srcRect/>
           <a:stretch>
             <a:fillRect/>
@@ -32238,7 +32233,7 @@
           </a:prstGeom>
           <a:extLst>
             <a:ext uri="{909E8E84-426E-40dd-AFC4-6F175D3DCCD1}">
-              <a14:hiddenFill xmlns="" xmlns:a14="http://schemas.microsoft.com/office/drawing/2007/7/7/main">
+              <a14:hiddenFill xmlns:a14="http://schemas.microsoft.com/office/drawing/2007/7/7/main" xmlns="">
                 <a:solidFill>
                   <a:srgbClr xmlns:mc="http://schemas.openxmlformats.org/markup-compatibility/2006" val="FFFFFF" mc:Ignorable=""/>
                 </a:solidFill>
@@ -32454,9 +32449,7 @@
           <p:nvPr/>
         </p:nvPicPr>
         <p:blipFill>
-          <a:blip r:embed="rId3" cstate="print">
-            <a:extLst/>
-          </a:blip>
+          <a:blip r:embed="rId3" cstate="print"/>
           <a:srcRect/>
           <a:stretch>
             <a:fillRect/>
@@ -32472,7 +32465,7 @@
           </a:prstGeom>
           <a:extLst>
             <a:ext uri="{909E8E84-426E-40dd-AFC4-6F175D3DCCD1}">
-              <a14:hiddenFill xmlns="" xmlns:a14="http://schemas.microsoft.com/office/drawing/2007/7/7/main">
+              <a14:hiddenFill xmlns:a14="http://schemas.microsoft.com/office/drawing/2007/7/7/main" xmlns="">
                 <a:solidFill>
                   <a:srgbClr xmlns:mc="http://schemas.openxmlformats.org/markup-compatibility/2006" val="FFFFFF" mc:Ignorable=""/>
                 </a:solidFill>
@@ -35424,9 +35417,7 @@
           <p:cNvGraphicFramePr>
             <a:graphicFrameLocks noGrp="1"/>
           </p:cNvGraphicFramePr>
-          <p:nvPr>
-            <p:extLst/>
-          </p:nvPr>
+          <p:nvPr/>
         </p:nvGraphicFramePr>
         <p:xfrm>
           <a:off x="1943805" y="1632056"/>
@@ -36056,21 +36047,8 @@
                   <a:schemeClr val="tx1"/>
                 </a:solidFill>
               </a:rPr>
-              <a:t>Use Package </a:t>
-            </a:r>
-            <a:r>
-              <a:rPr lang="en-US" sz="2856" dirty="0" err="1">
-                <a:solidFill>
-                  <a:schemeClr val="tx1"/>
-                </a:solidFill>
-              </a:rPr>
-              <a:t>Enviornments</a:t>
-            </a:r>
-            <a:endParaRPr lang="en-US" sz="2856" dirty="0">
-              <a:solidFill>
-                <a:schemeClr val="tx1"/>
-              </a:solidFill>
-            </a:endParaRPr>
+              <a:t>Use Package Environments</a:t>
+            </a:r>
           </a:p>
           <a:p>
             <a:pPr lvl="1">
@@ -37730,7 +37708,7 @@
                   <a:schemeClr val="tx1"/>
                 </a:solidFill>
               </a:rPr>
-              <a:t>Built-in connectors available with SSIS 2008</a:t>
+              <a:t>Built-in connectors available with SSIS</a:t>
             </a:r>
           </a:p>
           <a:p>
@@ -39790,15 +39768,6 @@
 
 <file path=customXml/item1.xml><?xml version="1.0" encoding="utf-8"?>
 <?mso-contentType ?>
-<FormTemplates xmlns="http://schemas.microsoft.com/sharepoint/v3/contenttype/forms">
-  <Display>DocumentLibraryForm</Display>
-  <Edit>DocumentLibraryForm</Edit>
-  <New>DocumentLibraryForm</New>
-</FormTemplates>
-</file>
-
-<file path=customXml/item2.xml><?xml version="1.0" encoding="utf-8"?>
-<?mso-contentType ?>
 <spe:Receivers xmlns:spe="http://schemas.microsoft.com/sharepoint/events">
   <Receiver>
     <Name>Document ID Generator</Name>
@@ -39847,19 +39816,7 @@
 </spe:Receivers>
 </file>
 
-<file path=customXml/item3.xml><?xml version="1.0" encoding="utf-8"?>
-<p:properties xmlns:p="http://schemas.microsoft.com/office/2006/metadata/properties" xmlns:xsi="http://www.w3.org/2001/XMLSchema-instance" xmlns:pc="http://schemas.microsoft.com/office/infopath/2007/PartnerControls">
-  <documentManagement>
-    <_dlc_DocId xmlns="230e9df3-be65-4c73-a93b-d1236ebd677e">CPS089-555620336-143</_dlc_DocId>
-    <_dlc_DocIdUrl xmlns="230e9df3-be65-4c73-a93b-d1236ebd677e">
-      <Url>https://microsoft.sharepoint.com/teams/CampusProjectSites089/hahzsakosd/ipdev/_layouts/15/DocIdRedir.aspx?ID=CPS089-555620336-143</Url>
-      <Description>CPS089-555620336-143</Description>
-    </_dlc_DocIdUrl>
-  </documentManagement>
-</p:properties>
-</file>
-
-<file path=customXml/item4.xml><?xml version="1.0" encoding="utf-8"?>
+<file path=customXml/item2.xml><?xml version="1.0" encoding="utf-8"?>
 <ct:contentTypeSchema xmlns:ct="http://schemas.microsoft.com/office/2006/metadata/contentType" xmlns:ma="http://schemas.microsoft.com/office/2006/metadata/properties/metaAttributes" ct:_="" ma:_="" ma:contentTypeName="Document" ma:contentTypeID="0x010100E159D276C0CB3447A69A9CE69396C846" ma:contentTypeVersion="2" ma:contentTypeDescription="Create a new document." ma:contentTypeScope="" ma:versionID="1dc5f255bb5d53da19c6b9c45c545005">
   <xsd:schema xmlns:xsd="http://www.w3.org/2001/XMLSchema" xmlns:xs="http://www.w3.org/2001/XMLSchema" xmlns:p="http://schemas.microsoft.com/office/2006/metadata/properties" xmlns:ns2="230e9df3-be65-4c73-a93b-d1236ebd677e" xmlns:ns3="4b6e114e-4d2a-4f10-9268-ba081d6f28ac" targetNamespace="http://schemas.microsoft.com/office/2006/metadata/properties" ma:root="true" ma:fieldsID="2caf596d414b9a9a356b58e82e2d1a15" ns2:_="" ns3:_="">
     <xsd:import namespace="230e9df3-be65-4c73-a93b-d1236ebd677e"/>
@@ -40021,18 +39978,50 @@
 </ct:contentTypeSchema>
 </file>
 
+<file path=customXml/item3.xml><?xml version="1.0" encoding="utf-8"?>
+<p:properties xmlns:p="http://schemas.microsoft.com/office/2006/metadata/properties" xmlns:xsi="http://www.w3.org/2001/XMLSchema-instance" xmlns:pc="http://schemas.microsoft.com/office/infopath/2007/PartnerControls">
+  <documentManagement>
+    <_dlc_DocId xmlns="230e9df3-be65-4c73-a93b-d1236ebd677e">CPS089-555620336-143</_dlc_DocId>
+    <_dlc_DocIdUrl xmlns="230e9df3-be65-4c73-a93b-d1236ebd677e">
+      <Url>https://microsoft.sharepoint.com/teams/CampusProjectSites089/hahzsakosd/ipdev/_layouts/15/DocIdRedir.aspx?ID=CPS089-555620336-143</Url>
+      <Description>CPS089-555620336-143</Description>
+    </_dlc_DocIdUrl>
+  </documentManagement>
+</p:properties>
+</file>
+
+<file path=customXml/item4.xml><?xml version="1.0" encoding="utf-8"?>
+<?mso-contentType ?>
+<FormTemplates xmlns="http://schemas.microsoft.com/sharepoint/v3/contenttype/forms">
+  <Display>DocumentLibraryForm</Display>
+  <Edit>DocumentLibraryForm</Edit>
+  <New>DocumentLibraryForm</New>
+</FormTemplates>
+</file>
+
 <file path=customXml/itemProps1.xml><?xml version="1.0" encoding="utf-8"?>
-<ds:datastoreItem xmlns:ds="http://schemas.openxmlformats.org/officeDocument/2006/customXml" ds:itemID="{758FDAC0-319D-4A54-8D8E-1D42CB1F8004}">
+<ds:datastoreItem xmlns:ds="http://schemas.openxmlformats.org/officeDocument/2006/customXml" ds:itemID="{FEC9592E-82DD-4399-A4BB-5C49E0F6255D}">
   <ds:schemaRefs>
-    <ds:schemaRef ds:uri="http://schemas.microsoft.com/sharepoint/v3/contenttype/forms"/>
+    <ds:schemaRef ds:uri="http://schemas.microsoft.com/sharepoint/events"/>
   </ds:schemaRefs>
 </ds:datastoreItem>
 </file>
 
 <file path=customXml/itemProps2.xml><?xml version="1.0" encoding="utf-8"?>
-<ds:datastoreItem xmlns:ds="http://schemas.openxmlformats.org/officeDocument/2006/customXml" ds:itemID="{FEC9592E-82DD-4399-A4BB-5C49E0F6255D}">
+<ds:datastoreItem xmlns:ds="http://schemas.openxmlformats.org/officeDocument/2006/customXml" ds:itemID="{2694FA73-0B83-4A62-B0E5-A5BFAD5BFAE6}">
   <ds:schemaRefs>
-    <ds:schemaRef ds:uri="http://schemas.microsoft.com/sharepoint/events"/>
+    <ds:schemaRef ds:uri="http://schemas.microsoft.com/office/2006/metadata/contentType"/>
+    <ds:schemaRef ds:uri="http://schemas.microsoft.com/office/2006/metadata/properties/metaAttributes"/>
+    <ds:schemaRef ds:uri="http://www.w3.org/2001/XMLSchema"/>
+    <ds:schemaRef ds:uri="http://schemas.microsoft.com/office/2006/metadata/properties"/>
+    <ds:schemaRef ds:uri="230e9df3-be65-4c73-a93b-d1236ebd677e"/>
+    <ds:schemaRef ds:uri="4b6e114e-4d2a-4f10-9268-ba081d6f28ac"/>
+    <ds:schemaRef ds:uri="http://schemas.microsoft.com/office/2006/documentManagement/types"/>
+    <ds:schemaRef ds:uri="http://schemas.microsoft.com/office/infopath/2007/PartnerControls"/>
+    <ds:schemaRef ds:uri="http://schemas.openxmlformats.org/package/2006/metadata/core-properties"/>
+    <ds:schemaRef ds:uri="http://purl.org/dc/elements/1.1/"/>
+    <ds:schemaRef ds:uri="http://purl.org/dc/terms/"/>
+    <ds:schemaRef ds:uri="http://schemas.microsoft.com/internal/obd"/>
   </ds:schemaRefs>
 </ds:datastoreItem>
 </file>
@@ -40055,20 +40044,15 @@
 </file>
 
 <file path=customXml/itemProps4.xml><?xml version="1.0" encoding="utf-8"?>
-<ds:datastoreItem xmlns:ds="http://schemas.openxmlformats.org/officeDocument/2006/customXml" ds:itemID="{2694FA73-0B83-4A62-B0E5-A5BFAD5BFAE6}">
+<ds:datastoreItem xmlns:ds="http://schemas.openxmlformats.org/officeDocument/2006/customXml" ds:itemID="{758FDAC0-319D-4A54-8D8E-1D42CB1F8004}">
   <ds:schemaRefs>
-    <ds:schemaRef ds:uri="http://schemas.microsoft.com/office/2006/metadata/contentType"/>
-    <ds:schemaRef ds:uri="http://schemas.microsoft.com/office/2006/metadata/properties/metaAttributes"/>
-    <ds:schemaRef ds:uri="http://www.w3.org/2001/XMLSchema"/>
-    <ds:schemaRef ds:uri="http://schemas.microsoft.com/office/2006/metadata/properties"/>
-    <ds:schemaRef ds:uri="230e9df3-be65-4c73-a93b-d1236ebd677e"/>
-    <ds:schemaRef ds:uri="4b6e114e-4d2a-4f10-9268-ba081d6f28ac"/>
-    <ds:schemaRef ds:uri="http://schemas.microsoft.com/office/2006/documentManagement/types"/>
-    <ds:schemaRef ds:uri="http://schemas.microsoft.com/office/infopath/2007/PartnerControls"/>
-    <ds:schemaRef ds:uri="http://schemas.openxmlformats.org/package/2006/metadata/core-properties"/>
-    <ds:schemaRef ds:uri="http://purl.org/dc/elements/1.1/"/>
-    <ds:schemaRef ds:uri="http://purl.org/dc/terms/"/>
-    <ds:schemaRef ds:uri="http://schemas.microsoft.com/internal/obd"/>
+    <ds:schemaRef ds:uri="http://schemas.microsoft.com/sharepoint/v3/contenttype/forms"/>
   </ds:schemaRefs>
 </ds:datastoreItem>
+</file>
+
+<file path=docMetadata/LabelInfo.xml><?xml version="1.0" encoding="utf-8"?>
+<clbl:labelList xmlns:clbl="http://schemas.microsoft.com/office/2020/mipLabelMetadata">
+  <clbl:label id="{f42aa342-8706-4288-bd11-ebb85995028c}" enabled="1" method="Privileged" siteId="{72f988bf-86f1-41af-91ab-2d7cd011db47}" removed="0"/>
+</clbl:labelList>
 </file>